--- a/Počítačové Videnie.pptx
+++ b/Počítačové Videnie.pptx
@@ -131,7 +131,7 @@
   <pc:docChgLst>
     <pc:chgData name="Michal Budis" userId="611267ae711054f4" providerId="LiveId" clId="{6DEA9C47-5F62-42FE-88EC-F55390A078A0}"/>
     <pc:docChg chg="undo custSel mod addSld modSld">
-      <pc:chgData name="Michal Budis" userId="611267ae711054f4" providerId="LiveId" clId="{6DEA9C47-5F62-42FE-88EC-F55390A078A0}" dt="2019-12-16T12:29:30.163" v="447" actId="1076"/>
+      <pc:chgData name="Michal Budis" userId="611267ae711054f4" providerId="LiveId" clId="{6DEA9C47-5F62-42FE-88EC-F55390A078A0}" dt="2019-12-16T14:44:23.320" v="452" actId="20577"/>
       <pc:docMkLst>
         <pc:docMk/>
       </pc:docMkLst>
@@ -167,7 +167,7 @@
         </pc:spChg>
       </pc:sldChg>
       <pc:sldChg chg="addSp delSp modSp add">
-        <pc:chgData name="Michal Budis" userId="611267ae711054f4" providerId="LiveId" clId="{6DEA9C47-5F62-42FE-88EC-F55390A078A0}" dt="2019-12-16T12:29:30.163" v="447" actId="1076"/>
+        <pc:chgData name="Michal Budis" userId="611267ae711054f4" providerId="LiveId" clId="{6DEA9C47-5F62-42FE-88EC-F55390A078A0}" dt="2019-12-16T14:44:23.320" v="452" actId="20577"/>
         <pc:sldMkLst>
           <pc:docMk/>
           <pc:sldMk cId="1959170044" sldId="257"/>
@@ -181,7 +181,7 @@
           </ac:spMkLst>
         </pc:spChg>
         <pc:spChg chg="mod">
-          <ac:chgData name="Michal Budis" userId="611267ae711054f4" providerId="LiveId" clId="{6DEA9C47-5F62-42FE-88EC-F55390A078A0}" dt="2019-12-16T12:29:02.989" v="443" actId="20577"/>
+          <ac:chgData name="Michal Budis" userId="611267ae711054f4" providerId="LiveId" clId="{6DEA9C47-5F62-42FE-88EC-F55390A078A0}" dt="2019-12-16T14:44:23.320" v="452" actId="20577"/>
           <ac:spMkLst>
             <pc:docMk/>
             <pc:sldMk cId="1959170044" sldId="257"/>
@@ -4710,23 +4710,7 @@
               <a:t>flow</a:t>
             </a:r>
             <a:r>
-              <a:rPr lang="sk-SK" dirty="0"/>
-              <a:t>, Horn-</a:t>
-            </a:r>
-            <a:r>
-              <a:rPr lang="sk-SK" dirty="0" err="1"/>
-              <a:t>Schunck</a:t>
-            </a:r>
-            <a:r>
-              <a:rPr lang="sk-SK" dirty="0"/>
-              <a:t> </a:t>
-            </a:r>
-            <a:r>
-              <a:rPr lang="sk-SK" dirty="0" err="1"/>
-              <a:t>method</a:t>
-            </a:r>
-            <a:r>
-              <a:rPr lang="sk-SK" dirty="0"/>
+              <a:rPr lang="sk-SK"/>
               <a:t>, Kanade-</a:t>
             </a:r>
             <a:r>
